--- a/MarkovChains.pptx
+++ b/MarkovChains.pptx
@@ -148,12 +148,33 @@
 </p:presentation>
 </file>
 
-<file path=ppt/revisionInfo.xml><?xml version="1.0" encoding="utf-8"?>
-<p1510:revInfo xmlns:a="http://schemas.openxmlformats.org/drawingml/2006/main" xmlns:r="http://schemas.openxmlformats.org/officeDocument/2006/relationships" xmlns:p1510="http://schemas.microsoft.com/office/powerpoint/2015/10/main">
-  <p1510:revLst>
-    <p1510:client id="{F5CDB3EF-4FD9-44F9-9F0A-C02FC7AD61C0}" v="901" dt="2018-04-17T18:32:13.683"/>
-  </p1510:revLst>
-</p1510:revInfo>
+<file path=ppt/changesInfos/changesInfo1.xml><?xml version="1.0" encoding="utf-8"?>
+<pc:chgInfo xmlns:a="http://schemas.openxmlformats.org/drawingml/2006/main" xmlns:r="http://schemas.openxmlformats.org/officeDocument/2006/relationships" xmlns:ac="http://schemas.microsoft.com/office/drawing/2013/main/command" xmlns:pc="http://schemas.microsoft.com/office/powerpoint/2013/main/command">
+  <pc:docChgLst>
+    <pc:chgData name="Balázs Horváth" userId="d208d054a1164427" providerId="LiveId" clId="{7F8CABE7-C749-425F-BFA3-38F6BD867D4F}"/>
+    <pc:docChg chg="custSel modSld">
+      <pc:chgData name="Balázs Horváth" userId="d208d054a1164427" providerId="LiveId" clId="{7F8CABE7-C749-425F-BFA3-38F6BD867D4F}" dt="2018-04-18T20:34:28.465" v="72" actId="20577"/>
+      <pc:docMkLst>
+        <pc:docMk/>
+      </pc:docMkLst>
+      <pc:sldChg chg="modSp">
+        <pc:chgData name="Balázs Horváth" userId="d208d054a1164427" providerId="LiveId" clId="{7F8CABE7-C749-425F-BFA3-38F6BD867D4F}" dt="2018-04-18T20:34:28.465" v="72" actId="20577"/>
+        <pc:sldMkLst>
+          <pc:docMk/>
+          <pc:sldMk cId="162014661" sldId="268"/>
+        </pc:sldMkLst>
+        <pc:spChg chg="mod">
+          <ac:chgData name="Balázs Horváth" userId="d208d054a1164427" providerId="LiveId" clId="{7F8CABE7-C749-425F-BFA3-38F6BD867D4F}" dt="2018-04-18T20:34:28.465" v="72" actId="20577"/>
+          <ac:spMkLst>
+            <pc:docMk/>
+            <pc:sldMk cId="162014661" sldId="268"/>
+            <ac:spMk id="2" creationId="{C16AE807-7309-45DD-B291-35418C08D0FE}"/>
+          </ac:spMkLst>
+        </pc:spChg>
+      </pc:sldChg>
+    </pc:docChg>
+  </pc:docChgLst>
+</pc:chgInfo>
 </file>
 
 <file path=ppt/notesMasters/notesMaster1.xml><?xml version="1.0" encoding="utf-8"?>
@@ -6457,8 +6478,8 @@
           </a:p>
         </p:txBody>
       </p:sp>
-      <mc:AlternateContent xmlns:mc="http://schemas.openxmlformats.org/markup-compatibility/2006">
-        <mc:Choice xmlns:a14="http://schemas.microsoft.com/office/drawing/2010/main" Requires="a14">
+      <mc:AlternateContent xmlns:mc="http://schemas.openxmlformats.org/markup-compatibility/2006" xmlns:a14="http://schemas.microsoft.com/office/drawing/2010/main">
+        <mc:Choice Requires="a14">
           <p:sp>
             <p:nvSpPr>
               <p:cNvPr id="3" name="Tartalom helye 2">
@@ -7124,7 +7145,7 @@
             </p:txBody>
           </p:sp>
         </mc:Choice>
-        <mc:Fallback>
+        <mc:Fallback xmlns="">
           <p:sp>
             <p:nvSpPr>
               <p:cNvPr id="3" name="Tartalom helye 2">
@@ -7235,8 +7256,8 @@
           </a:p>
         </p:txBody>
       </p:sp>
-      <mc:AlternateContent xmlns:mc="http://schemas.openxmlformats.org/markup-compatibility/2006">
-        <mc:Choice xmlns:a14="http://schemas.microsoft.com/office/drawing/2010/main" Requires="a14">
+      <mc:AlternateContent xmlns:mc="http://schemas.openxmlformats.org/markup-compatibility/2006" xmlns:a14="http://schemas.microsoft.com/office/drawing/2010/main">
+        <mc:Choice Requires="a14">
           <p:sp>
             <p:nvSpPr>
               <p:cNvPr id="3" name="Tartalom helye 2">
@@ -7929,7 +7950,7 @@
             </p:txBody>
           </p:sp>
         </mc:Choice>
-        <mc:Fallback>
+        <mc:Fallback xmlns="">
           <p:sp>
             <p:nvSpPr>
               <p:cNvPr id="3" name="Tartalom helye 2">
@@ -10117,9 +10138,55 @@
           <a:p>
             <a:pPr algn="r"/>
             <a:r>
-              <a:rPr lang="en-US" sz="5400"/>
+              <a:rPr lang="en-US" sz="5400" dirty="0"/>
               <a:t>Thank you!</a:t>
             </a:r>
+            <a:br>
+              <a:rPr lang="hu-HU" sz="5400" dirty="0"/>
+            </a:br>
+            <a:r>
+              <a:rPr lang="hu-HU" sz="1800" dirty="0" err="1"/>
+              <a:t>Source</a:t>
+            </a:r>
+            <a:r>
+              <a:rPr lang="hu-HU" sz="1800" dirty="0"/>
+              <a:t> </a:t>
+            </a:r>
+            <a:r>
+              <a:rPr lang="hu-HU" sz="1800" dirty="0" err="1"/>
+              <a:t>code</a:t>
+            </a:r>
+            <a:r>
+              <a:rPr lang="hu-HU" sz="1800" dirty="0"/>
+              <a:t> and </a:t>
+            </a:r>
+            <a:r>
+              <a:rPr lang="hu-HU" sz="1800" dirty="0" err="1"/>
+              <a:t>this</a:t>
+            </a:r>
+            <a:r>
+              <a:rPr lang="hu-HU" sz="1800" dirty="0"/>
+              <a:t> file is </a:t>
+            </a:r>
+            <a:r>
+              <a:rPr lang="hu-HU" sz="1800" dirty="0" err="1"/>
+              <a:t>available</a:t>
+            </a:r>
+            <a:r>
+              <a:rPr lang="hu-HU" sz="1800" dirty="0"/>
+              <a:t> </a:t>
+            </a:r>
+            <a:r>
+              <a:rPr lang="hu-HU" sz="1800" dirty="0">
+                <a:hlinkClick r:id="rId2"/>
+              </a:rPr>
+              <a:t>here</a:t>
+            </a:r>
+            <a:r>
+              <a:rPr lang="hu-HU" sz="1800" dirty="0"/>
+              <a:t>.</a:t>
+            </a:r>
+            <a:endParaRPr lang="en-US" sz="5400" dirty="0"/>
           </a:p>
         </p:txBody>
       </p:sp>
@@ -13311,8 +13378,8 @@
           </a:p>
         </p:txBody>
       </p:sp>
-      <mc:AlternateContent xmlns:mc="http://schemas.openxmlformats.org/markup-compatibility/2006">
-        <mc:Choice xmlns:a14="http://schemas.microsoft.com/office/drawing/2010/main" Requires="a14">
+      <mc:AlternateContent xmlns:mc="http://schemas.openxmlformats.org/markup-compatibility/2006" xmlns:a14="http://schemas.microsoft.com/office/drawing/2010/main">
+        <mc:Choice Requires="a14">
           <p:sp>
             <p:nvSpPr>
               <p:cNvPr id="3" name="Tartalom helye 2">
@@ -13405,7 +13472,13 @@
                                   <a:rPr lang="hu-HU" b="0" i="1" smtClean="0">
                                     <a:latin typeface="Cambria Math" panose="02040503050406030204" pitchFamily="18" charset="0"/>
                                   </a:rPr>
-                                  <m:t>0.4</m:t>
+                                  <m:t>0</m:t>
+                                </m:r>
+                                <m:r>
+                                  <a:rPr lang="hu-HU" b="0" i="1" smtClean="0">
+                                    <a:latin typeface="Cambria Math" panose="02040503050406030204" pitchFamily="18" charset="0"/>
+                                  </a:rPr>
+                                  <m:t>.4</m:t>
                                 </m:r>
                               </m:e>
                               <m:e>
@@ -14489,7 +14562,7 @@
             </p:txBody>
           </p:sp>
         </mc:Choice>
-        <mc:Fallback>
+        <mc:Fallback xmlns="">
           <p:sp>
             <p:nvSpPr>
               <p:cNvPr id="3" name="Tartalom helye 2">
@@ -14600,8 +14673,8 @@
           </a:p>
         </p:txBody>
       </p:sp>
-      <mc:AlternateContent xmlns:mc="http://schemas.openxmlformats.org/markup-compatibility/2006">
-        <mc:Choice xmlns:a14="http://schemas.microsoft.com/office/drawing/2010/main" Requires="a14">
+      <mc:AlternateContent xmlns:mc="http://schemas.openxmlformats.org/markup-compatibility/2006" xmlns:a14="http://schemas.microsoft.com/office/drawing/2010/main">
+        <mc:Choice Requires="a14">
           <p:sp>
             <p:nvSpPr>
               <p:cNvPr id="3" name="Tartalom helye 2">
@@ -14926,7 +14999,13 @@
                                   <a:rPr lang="hu-HU" b="0" i="1" smtClean="0">
                                     <a:latin typeface="Cambria Math" panose="02040503050406030204" pitchFamily="18" charset="0"/>
                                   </a:rPr>
-                                  <m:t>0.9</m:t>
+                                  <m:t>0</m:t>
+                                </m:r>
+                                <m:r>
+                                  <a:rPr lang="hu-HU" b="0" i="1" smtClean="0">
+                                    <a:latin typeface="Cambria Math" panose="02040503050406030204" pitchFamily="18" charset="0"/>
+                                  </a:rPr>
+                                  <m:t>.9</m:t>
                                 </m:r>
                               </m:e>
                               <m:e>
@@ -14979,7 +15058,7 @@
             </p:txBody>
           </p:sp>
         </mc:Choice>
-        <mc:Fallback>
+        <mc:Fallback xmlns="">
           <p:sp>
             <p:nvSpPr>
               <p:cNvPr id="3" name="Tartalom helye 2">
